--- a/Singular Value Powerpoints/SVD 10 Filters Snippet 2.pptx
+++ b/Singular Value Powerpoints/SVD 10 Filters Snippet 2.pptx
@@ -8,15 +8,15 @@
     <p:sldId id="257" r:id="rId5"/>
     <p:sldId id="258" r:id="rId6"/>
     <p:sldId id="259" r:id="rId7"/>
-    <p:sldId id="260" r:id="rId8"/>
-    <p:sldId id="261" r:id="rId9"/>
-    <p:sldId id="263" r:id="rId10"/>
-    <p:sldId id="264" r:id="rId11"/>
+    <p:sldId id="269" r:id="rId8"/>
+    <p:sldId id="268" r:id="rId9"/>
+    <p:sldId id="267" r:id="rId10"/>
+    <p:sldId id="266" r:id="rId11"/>
     <p:sldId id="265" r:id="rId12"/>
-    <p:sldId id="266" r:id="rId13"/>
-    <p:sldId id="267" r:id="rId14"/>
-    <p:sldId id="268" r:id="rId15"/>
-    <p:sldId id="269" r:id="rId16"/>
+    <p:sldId id="264" r:id="rId13"/>
+    <p:sldId id="263" r:id="rId14"/>
+    <p:sldId id="261" r:id="rId15"/>
+    <p:sldId id="260" r:id="rId16"/>
     <p:sldId id="270" r:id="rId17"/>
   </p:sldIdLst>
   <p:sldSz cx="12192000" cy="6858000"/>
@@ -984,7 +984,7 @@
           <a:p>
             <a:fld id="{2FAA3BAB-C8E8-4DC7-8A32-B15DF81BCF92}" type="datetimeFigureOut">
               <a:rPr lang="en-US" smtClean="0"/>
-              <a:t>4/26/2021</a:t>
+              <a:t>5/8/21</a:t>
             </a:fld>
             <a:endParaRPr lang="en-US"/>
           </a:p>
@@ -1182,7 +1182,7 @@
           <a:p>
             <a:fld id="{2FAA3BAB-C8E8-4DC7-8A32-B15DF81BCF92}" type="datetimeFigureOut">
               <a:rPr lang="en-US" smtClean="0"/>
-              <a:t>4/26/2021</a:t>
+              <a:t>5/8/21</a:t>
             </a:fld>
             <a:endParaRPr lang="en-US"/>
           </a:p>
@@ -1390,7 +1390,7 @@
           <a:p>
             <a:fld id="{2FAA3BAB-C8E8-4DC7-8A32-B15DF81BCF92}" type="datetimeFigureOut">
               <a:rPr lang="en-US" smtClean="0"/>
-              <a:t>4/26/2021</a:t>
+              <a:t>5/8/21</a:t>
             </a:fld>
             <a:endParaRPr lang="en-US"/>
           </a:p>
@@ -1588,7 +1588,7 @@
           <a:p>
             <a:fld id="{2FAA3BAB-C8E8-4DC7-8A32-B15DF81BCF92}" type="datetimeFigureOut">
               <a:rPr lang="en-US" smtClean="0"/>
-              <a:t>4/26/2021</a:t>
+              <a:t>5/8/21</a:t>
             </a:fld>
             <a:endParaRPr lang="en-US"/>
           </a:p>
@@ -1863,7 +1863,7 @@
           <a:p>
             <a:fld id="{2FAA3BAB-C8E8-4DC7-8A32-B15DF81BCF92}" type="datetimeFigureOut">
               <a:rPr lang="en-US" smtClean="0"/>
-              <a:t>4/26/2021</a:t>
+              <a:t>5/8/21</a:t>
             </a:fld>
             <a:endParaRPr lang="en-US"/>
           </a:p>
@@ -2128,7 +2128,7 @@
           <a:p>
             <a:fld id="{2FAA3BAB-C8E8-4DC7-8A32-B15DF81BCF92}" type="datetimeFigureOut">
               <a:rPr lang="en-US" smtClean="0"/>
-              <a:t>4/26/2021</a:t>
+              <a:t>5/8/21</a:t>
             </a:fld>
             <a:endParaRPr lang="en-US"/>
           </a:p>
@@ -2540,7 +2540,7 @@
           <a:p>
             <a:fld id="{2FAA3BAB-C8E8-4DC7-8A32-B15DF81BCF92}" type="datetimeFigureOut">
               <a:rPr lang="en-US" smtClean="0"/>
-              <a:t>4/26/2021</a:t>
+              <a:t>5/8/21</a:t>
             </a:fld>
             <a:endParaRPr lang="en-US"/>
           </a:p>
@@ -2681,7 +2681,7 @@
           <a:p>
             <a:fld id="{2FAA3BAB-C8E8-4DC7-8A32-B15DF81BCF92}" type="datetimeFigureOut">
               <a:rPr lang="en-US" smtClean="0"/>
-              <a:t>4/26/2021</a:t>
+              <a:t>5/8/21</a:t>
             </a:fld>
             <a:endParaRPr lang="en-US"/>
           </a:p>
@@ -2794,7 +2794,7 @@
           <a:p>
             <a:fld id="{2FAA3BAB-C8E8-4DC7-8A32-B15DF81BCF92}" type="datetimeFigureOut">
               <a:rPr lang="en-US" smtClean="0"/>
-              <a:t>4/26/2021</a:t>
+              <a:t>5/8/21</a:t>
             </a:fld>
             <a:endParaRPr lang="en-US"/>
           </a:p>
@@ -3105,7 +3105,7 @@
           <a:p>
             <a:fld id="{2FAA3BAB-C8E8-4DC7-8A32-B15DF81BCF92}" type="datetimeFigureOut">
               <a:rPr lang="en-US" smtClean="0"/>
-              <a:t>4/26/2021</a:t>
+              <a:t>5/8/21</a:t>
             </a:fld>
             <a:endParaRPr lang="en-US"/>
           </a:p>
@@ -3393,7 +3393,7 @@
           <a:p>
             <a:fld id="{2FAA3BAB-C8E8-4DC7-8A32-B15DF81BCF92}" type="datetimeFigureOut">
               <a:rPr lang="en-US" smtClean="0"/>
-              <a:t>4/26/2021</a:t>
+              <a:t>5/8/21</a:t>
             </a:fld>
             <a:endParaRPr lang="en-US"/>
           </a:p>
@@ -3634,7 +3634,7 @@
           <a:p>
             <a:fld id="{2FAA3BAB-C8E8-4DC7-8A32-B15DF81BCF92}" type="datetimeFigureOut">
               <a:rPr lang="en-US" smtClean="0"/>
-              <a:t>4/26/2021</a:t>
+              <a:t>5/8/21</a:t>
             </a:fld>
             <a:endParaRPr lang="en-US"/>
           </a:p>
@@ -4235,10 +4235,10 @@
       </p:sp>
       <p:pic>
         <p:nvPicPr>
-          <p:cNvPr id="3" name="Picture 2" descr="Chart&#10;&#10;Description automatically generated">
-            <a:extLst>
-              <a:ext uri="{FF2B5EF4-FFF2-40B4-BE49-F238E27FC236}">
-                <a16:creationId xmlns:a16="http://schemas.microsoft.com/office/drawing/2014/main" id="{7FF99A41-90DF-48D9-AA42-78FC8172BBCE}"/>
+          <p:cNvPr id="11" name="Picture 10" descr="Chart&#10;&#10;Description automatically generated">
+            <a:extLst>
+              <a:ext uri="{FF2B5EF4-FFF2-40B4-BE49-F238E27FC236}">
+                <a16:creationId xmlns:a16="http://schemas.microsoft.com/office/drawing/2014/main" id="{D8DF29AE-0907-437D-B85E-B6B915B1CCC2}"/>
               </a:ext>
             </a:extLst>
           </p:cNvPr>
@@ -4271,10 +4271,10 @@
       </p:pic>
       <p:pic>
         <p:nvPicPr>
-          <p:cNvPr id="7" name="Picture 6" descr="Chart&#10;&#10;Description automatically generated">
-            <a:extLst>
-              <a:ext uri="{FF2B5EF4-FFF2-40B4-BE49-F238E27FC236}">
-                <a16:creationId xmlns:a16="http://schemas.microsoft.com/office/drawing/2014/main" id="{B4F6AD27-6934-4B39-996E-B42C3D064CA4}"/>
+          <p:cNvPr id="6" name="Picture 5" descr="Chart&#10;&#10;Description automatically generated">
+            <a:extLst>
+              <a:ext uri="{FF2B5EF4-FFF2-40B4-BE49-F238E27FC236}">
+                <a16:creationId xmlns:a16="http://schemas.microsoft.com/office/drawing/2014/main" id="{EEB0CDF0-5F9A-472A-9C58-FE53F8FE13DD}"/>
               </a:ext>
             </a:extLst>
           </p:cNvPr>
@@ -4307,10 +4307,10 @@
       </p:pic>
       <p:pic>
         <p:nvPicPr>
-          <p:cNvPr id="9" name="Picture 8" descr="Chart&#10;&#10;Description automatically generated">
-            <a:extLst>
-              <a:ext uri="{FF2B5EF4-FFF2-40B4-BE49-F238E27FC236}">
-                <a16:creationId xmlns:a16="http://schemas.microsoft.com/office/drawing/2014/main" id="{A45B1496-4C6C-4DEC-8D42-72DDB575F8B8}"/>
+          <p:cNvPr id="7" name="Picture 6" descr="A picture containing chart&#10;&#10;Description automatically generated">
+            <a:extLst>
+              <a:ext uri="{FF2B5EF4-FFF2-40B4-BE49-F238E27FC236}">
+                <a16:creationId xmlns:a16="http://schemas.microsoft.com/office/drawing/2014/main" id="{AB1EF9CD-01E4-4022-AA60-B9EAEDF19214}"/>
               </a:ext>
             </a:extLst>
           </p:cNvPr>
@@ -4344,7 +4344,7 @@
     </p:spTree>
     <p:extLst>
       <p:ext uri="{BB962C8B-B14F-4D97-AF65-F5344CB8AC3E}">
-        <p14:creationId xmlns:p14="http://schemas.microsoft.com/office/powerpoint/2010/main" val="2886163851"/>
+        <p14:creationId xmlns:p14="http://schemas.microsoft.com/office/powerpoint/2010/main" val="1286968106"/>
       </p:ext>
     </p:extLst>
   </p:cSld>
@@ -4406,10 +4406,10 @@
       </p:sp>
       <p:pic>
         <p:nvPicPr>
-          <p:cNvPr id="3" name="Picture 2" descr="Chart, histogram&#10;&#10;Description automatically generated">
-            <a:extLst>
-              <a:ext uri="{FF2B5EF4-FFF2-40B4-BE49-F238E27FC236}">
-                <a16:creationId xmlns:a16="http://schemas.microsoft.com/office/drawing/2014/main" id="{D18F98AF-6D9D-439C-B126-20E24BB7B489}"/>
+          <p:cNvPr id="13" name="Picture 12" descr="Chart, histogram&#10;&#10;Description automatically generated">
+            <a:extLst>
+              <a:ext uri="{FF2B5EF4-FFF2-40B4-BE49-F238E27FC236}">
+                <a16:creationId xmlns:a16="http://schemas.microsoft.com/office/drawing/2014/main" id="{AAB789F9-EF5E-4C76-8981-4BABEF2DD8E6}"/>
               </a:ext>
             </a:extLst>
           </p:cNvPr>
@@ -4442,10 +4442,10 @@
       </p:pic>
       <p:pic>
         <p:nvPicPr>
-          <p:cNvPr id="7" name="Picture 6" descr="Chart&#10;&#10;Description automatically generated">
-            <a:extLst>
-              <a:ext uri="{FF2B5EF4-FFF2-40B4-BE49-F238E27FC236}">
-                <a16:creationId xmlns:a16="http://schemas.microsoft.com/office/drawing/2014/main" id="{C92EDC42-E6E6-4184-9268-9F4936BA27C4}"/>
+          <p:cNvPr id="9" name="Picture 8" descr="Chart&#10;&#10;Description automatically generated">
+            <a:extLst>
+              <a:ext uri="{FF2B5EF4-FFF2-40B4-BE49-F238E27FC236}">
+                <a16:creationId xmlns:a16="http://schemas.microsoft.com/office/drawing/2014/main" id="{15BD3173-0F88-4E73-8D02-688D1E87EE31}"/>
               </a:ext>
             </a:extLst>
           </p:cNvPr>
@@ -4478,10 +4478,10 @@
       </p:pic>
       <p:pic>
         <p:nvPicPr>
-          <p:cNvPr id="9" name="Picture 8" descr="A picture containing diagram&#10;&#10;Description automatically generated">
-            <a:extLst>
-              <a:ext uri="{FF2B5EF4-FFF2-40B4-BE49-F238E27FC236}">
-                <a16:creationId xmlns:a16="http://schemas.microsoft.com/office/drawing/2014/main" id="{7252CA23-96B1-47EA-B878-25E8EE4C5891}"/>
+          <p:cNvPr id="6" name="Picture 5" descr="Chart&#10;&#10;Description automatically generated">
+            <a:extLst>
+              <a:ext uri="{FF2B5EF4-FFF2-40B4-BE49-F238E27FC236}">
+                <a16:creationId xmlns:a16="http://schemas.microsoft.com/office/drawing/2014/main" id="{008891E8-8F86-4A36-BB7B-EC9AC4A9F5BF}"/>
               </a:ext>
             </a:extLst>
           </p:cNvPr>
@@ -4515,7 +4515,7 @@
     </p:spTree>
     <p:extLst>
       <p:ext uri="{BB962C8B-B14F-4D97-AF65-F5344CB8AC3E}">
-        <p14:creationId xmlns:p14="http://schemas.microsoft.com/office/powerpoint/2010/main" val="1567104307"/>
+        <p14:creationId xmlns:p14="http://schemas.microsoft.com/office/powerpoint/2010/main" val="2576847802"/>
       </p:ext>
     </p:extLst>
   </p:cSld>
@@ -4577,10 +4577,10 @@
       </p:sp>
       <p:pic>
         <p:nvPicPr>
-          <p:cNvPr id="3" name="Picture 2" descr="Chart&#10;&#10;Description automatically generated with low confidence">
-            <a:extLst>
-              <a:ext uri="{FF2B5EF4-FFF2-40B4-BE49-F238E27FC236}">
-                <a16:creationId xmlns:a16="http://schemas.microsoft.com/office/drawing/2014/main" id="{5D16902A-475E-4475-80B0-6DF01292F269}"/>
+          <p:cNvPr id="13" name="Picture 12" descr="Chart&#10;&#10;Description automatically generated">
+            <a:extLst>
+              <a:ext uri="{FF2B5EF4-FFF2-40B4-BE49-F238E27FC236}">
+                <a16:creationId xmlns:a16="http://schemas.microsoft.com/office/drawing/2014/main" id="{85B0F5D5-74D6-400A-A2DB-195479ACF484}"/>
               </a:ext>
             </a:extLst>
           </p:cNvPr>
@@ -4603,7 +4603,7 @@
         </p:blipFill>
         <p:spPr>
           <a:xfrm>
-            <a:off x="7089059" y="3772002"/>
+            <a:off x="7089059" y="3736462"/>
             <a:ext cx="3974592" cy="2980944"/>
           </a:xfrm>
           <a:prstGeom prst="rect">
@@ -4613,10 +4613,10 @@
       </p:pic>
       <p:pic>
         <p:nvPicPr>
-          <p:cNvPr id="8" name="Picture 7" descr="Chart&#10;&#10;Description automatically generated">
-            <a:extLst>
-              <a:ext uri="{FF2B5EF4-FFF2-40B4-BE49-F238E27FC236}">
-                <a16:creationId xmlns:a16="http://schemas.microsoft.com/office/drawing/2014/main" id="{622D6CBD-7038-43CC-9096-0602E23F6FC4}"/>
+          <p:cNvPr id="6" name="Picture 5" descr="Chart&#10;&#10;Description automatically generated">
+            <a:extLst>
+              <a:ext uri="{FF2B5EF4-FFF2-40B4-BE49-F238E27FC236}">
+                <a16:creationId xmlns:a16="http://schemas.microsoft.com/office/drawing/2014/main" id="{4E3BC4D7-08C0-4F11-93AD-CA142406377D}"/>
               </a:ext>
             </a:extLst>
           </p:cNvPr>
@@ -4649,10 +4649,10 @@
       </p:pic>
       <p:pic>
         <p:nvPicPr>
-          <p:cNvPr id="14" name="Picture 13" descr="Chart&#10;&#10;Description automatically generated">
-            <a:extLst>
-              <a:ext uri="{FF2B5EF4-FFF2-40B4-BE49-F238E27FC236}">
-                <a16:creationId xmlns:a16="http://schemas.microsoft.com/office/drawing/2014/main" id="{0DDD13F6-9B71-4531-A8EF-92E3207C375F}"/>
+          <p:cNvPr id="7" name="Picture 6" descr="Chart, line chart&#10;&#10;Description automatically generated">
+            <a:extLst>
+              <a:ext uri="{FF2B5EF4-FFF2-40B4-BE49-F238E27FC236}">
+                <a16:creationId xmlns:a16="http://schemas.microsoft.com/office/drawing/2014/main" id="{D96FA14B-4F93-4334-BC49-0F49C42AC51C}"/>
               </a:ext>
             </a:extLst>
           </p:cNvPr>
@@ -4686,7 +4686,7 @@
     </p:spTree>
     <p:extLst>
       <p:ext uri="{BB962C8B-B14F-4D97-AF65-F5344CB8AC3E}">
-        <p14:creationId xmlns:p14="http://schemas.microsoft.com/office/powerpoint/2010/main" val="629351490"/>
+        <p14:creationId xmlns:p14="http://schemas.microsoft.com/office/powerpoint/2010/main" val="482760846"/>
       </p:ext>
     </p:extLst>
   </p:cSld>
@@ -4771,21 +4771,29 @@
             <a:pPr lvl="1"/>
             <a:r>
               <a:rPr lang="en-US" dirty="0"/>
-              <a:t>SOI can be seen in the SVD of Filter 1, 10, and a little bit in Filter 2</a:t>
+              <a:t>SOI can be seen in </a:t>
+            </a:r>
+            <a:r>
+              <a:rPr lang="en-US"/>
+              <a:t>the singular values </a:t>
+            </a:r>
+            <a:r>
+              <a:rPr lang="en-US" dirty="0"/>
+              <a:t>of Filter 1, 2, and a little bit in Filter 10</a:t>
             </a:r>
           </a:p>
           <a:p>
             <a:pPr lvl="1"/>
             <a:r>
               <a:rPr lang="en-US" dirty="0"/>
-              <a:t>Filter 2 and 3 shows the singular values of the narrow band nuisance signals</a:t>
+              <a:t>Filter 10 and 9 shows the singular values of the narrow band nuisance signals</a:t>
             </a:r>
           </a:p>
           <a:p>
             <a:pPr lvl="1"/>
             <a:r>
               <a:rPr lang="en-US" dirty="0"/>
-              <a:t>Filters 4-9 is just random noise</a:t>
+              <a:t>Filters 3-8 is just random noise</a:t>
             </a:r>
           </a:p>
           <a:p>
@@ -5195,19 +5203,26 @@
           <a:p>
             <a:r>
               <a:rPr lang="en-US" sz="1800" dirty="0"/>
-              <a:t>Waterfall plot of Snippet 12</a:t>
+              <a:t>Waterfall plot of Sensor 1 of Snippet 2</a:t>
             </a:r>
           </a:p>
           <a:p>
             <a:r>
               <a:rPr lang="en-US" sz="1800" dirty="0"/>
-              <a:t>No SVD removal</a:t>
+              <a:t>Unprocessed data</a:t>
             </a:r>
           </a:p>
           <a:p>
             <a:r>
               <a:rPr lang="en-US" sz="1800" dirty="0"/>
-              <a:t>No modification</a:t>
+              <a:t>The black box is where SOI is located</a:t>
+            </a:r>
+          </a:p>
+          <a:p>
+            <a:pPr lvl="1"/>
+            <a:r>
+              <a:rPr lang="en-US" sz="1400" dirty="0"/>
+              <a:t>Added because SOI is difficult to see</a:t>
             </a:r>
           </a:p>
         </p:txBody>
@@ -5500,10 +5515,10 @@
       </p:sp>
       <p:pic>
         <p:nvPicPr>
-          <p:cNvPr id="13" name="Picture 12" descr="Chart&#10;&#10;Description automatically generated">
-            <a:extLst>
-              <a:ext uri="{FF2B5EF4-FFF2-40B4-BE49-F238E27FC236}">
-                <a16:creationId xmlns:a16="http://schemas.microsoft.com/office/drawing/2014/main" id="{85B0F5D5-74D6-400A-A2DB-195479ACF484}"/>
+          <p:cNvPr id="3" name="Picture 2" descr="Chart&#10;&#10;Description automatically generated with low confidence">
+            <a:extLst>
+              <a:ext uri="{FF2B5EF4-FFF2-40B4-BE49-F238E27FC236}">
+                <a16:creationId xmlns:a16="http://schemas.microsoft.com/office/drawing/2014/main" id="{5D16902A-475E-4475-80B0-6DF01292F269}"/>
               </a:ext>
             </a:extLst>
           </p:cNvPr>
@@ -5526,7 +5541,7 @@
         </p:blipFill>
         <p:spPr>
           <a:xfrm>
-            <a:off x="7089059" y="3736462"/>
+            <a:off x="7089059" y="3772002"/>
             <a:ext cx="3974592" cy="2980944"/>
           </a:xfrm>
           <a:prstGeom prst="rect">
@@ -5536,10 +5551,10 @@
       </p:pic>
       <p:pic>
         <p:nvPicPr>
-          <p:cNvPr id="6" name="Picture 5" descr="Chart&#10;&#10;Description automatically generated">
-            <a:extLst>
-              <a:ext uri="{FF2B5EF4-FFF2-40B4-BE49-F238E27FC236}">
-                <a16:creationId xmlns:a16="http://schemas.microsoft.com/office/drawing/2014/main" id="{4E3BC4D7-08C0-4F11-93AD-CA142406377D}"/>
+          <p:cNvPr id="8" name="Picture 7" descr="Chart&#10;&#10;Description automatically generated">
+            <a:extLst>
+              <a:ext uri="{FF2B5EF4-FFF2-40B4-BE49-F238E27FC236}">
+                <a16:creationId xmlns:a16="http://schemas.microsoft.com/office/drawing/2014/main" id="{622D6CBD-7038-43CC-9096-0602E23F6FC4}"/>
               </a:ext>
             </a:extLst>
           </p:cNvPr>
@@ -5572,10 +5587,10 @@
       </p:pic>
       <p:pic>
         <p:nvPicPr>
-          <p:cNvPr id="7" name="Picture 6" descr="Chart, line chart&#10;&#10;Description automatically generated">
-            <a:extLst>
-              <a:ext uri="{FF2B5EF4-FFF2-40B4-BE49-F238E27FC236}">
-                <a16:creationId xmlns:a16="http://schemas.microsoft.com/office/drawing/2014/main" id="{D96FA14B-4F93-4334-BC49-0F49C42AC51C}"/>
+          <p:cNvPr id="14" name="Picture 13" descr="Chart&#10;&#10;Description automatically generated">
+            <a:extLst>
+              <a:ext uri="{FF2B5EF4-FFF2-40B4-BE49-F238E27FC236}">
+                <a16:creationId xmlns:a16="http://schemas.microsoft.com/office/drawing/2014/main" id="{0DDD13F6-9B71-4531-A8EF-92E3207C375F}"/>
               </a:ext>
             </a:extLst>
           </p:cNvPr>
@@ -5609,7 +5624,7 @@
     </p:spTree>
     <p:extLst>
       <p:ext uri="{BB962C8B-B14F-4D97-AF65-F5344CB8AC3E}">
-        <p14:creationId xmlns:p14="http://schemas.microsoft.com/office/powerpoint/2010/main" val="482760846"/>
+        <p14:creationId xmlns:p14="http://schemas.microsoft.com/office/powerpoint/2010/main" val="629351490"/>
       </p:ext>
     </p:extLst>
   </p:cSld>
@@ -5671,10 +5686,10 @@
       </p:sp>
       <p:pic>
         <p:nvPicPr>
-          <p:cNvPr id="13" name="Picture 12" descr="Chart, histogram&#10;&#10;Description automatically generated">
-            <a:extLst>
-              <a:ext uri="{FF2B5EF4-FFF2-40B4-BE49-F238E27FC236}">
-                <a16:creationId xmlns:a16="http://schemas.microsoft.com/office/drawing/2014/main" id="{AAB789F9-EF5E-4C76-8981-4BABEF2DD8E6}"/>
+          <p:cNvPr id="3" name="Picture 2" descr="Chart, histogram&#10;&#10;Description automatically generated">
+            <a:extLst>
+              <a:ext uri="{FF2B5EF4-FFF2-40B4-BE49-F238E27FC236}">
+                <a16:creationId xmlns:a16="http://schemas.microsoft.com/office/drawing/2014/main" id="{D18F98AF-6D9D-439C-B126-20E24BB7B489}"/>
               </a:ext>
             </a:extLst>
           </p:cNvPr>
@@ -5707,10 +5722,10 @@
       </p:pic>
       <p:pic>
         <p:nvPicPr>
-          <p:cNvPr id="9" name="Picture 8" descr="Chart&#10;&#10;Description automatically generated">
-            <a:extLst>
-              <a:ext uri="{FF2B5EF4-FFF2-40B4-BE49-F238E27FC236}">
-                <a16:creationId xmlns:a16="http://schemas.microsoft.com/office/drawing/2014/main" id="{15BD3173-0F88-4E73-8D02-688D1E87EE31}"/>
+          <p:cNvPr id="7" name="Picture 6" descr="Chart&#10;&#10;Description automatically generated">
+            <a:extLst>
+              <a:ext uri="{FF2B5EF4-FFF2-40B4-BE49-F238E27FC236}">
+                <a16:creationId xmlns:a16="http://schemas.microsoft.com/office/drawing/2014/main" id="{C92EDC42-E6E6-4184-9268-9F4936BA27C4}"/>
               </a:ext>
             </a:extLst>
           </p:cNvPr>
@@ -5743,10 +5758,10 @@
       </p:pic>
       <p:pic>
         <p:nvPicPr>
-          <p:cNvPr id="6" name="Picture 5" descr="Chart&#10;&#10;Description automatically generated">
-            <a:extLst>
-              <a:ext uri="{FF2B5EF4-FFF2-40B4-BE49-F238E27FC236}">
-                <a16:creationId xmlns:a16="http://schemas.microsoft.com/office/drawing/2014/main" id="{008891E8-8F86-4A36-BB7B-EC9AC4A9F5BF}"/>
+          <p:cNvPr id="9" name="Picture 8" descr="A picture containing diagram&#10;&#10;Description automatically generated">
+            <a:extLst>
+              <a:ext uri="{FF2B5EF4-FFF2-40B4-BE49-F238E27FC236}">
+                <a16:creationId xmlns:a16="http://schemas.microsoft.com/office/drawing/2014/main" id="{7252CA23-96B1-47EA-B878-25E8EE4C5891}"/>
               </a:ext>
             </a:extLst>
           </p:cNvPr>
@@ -5780,7 +5795,7 @@
     </p:spTree>
     <p:extLst>
       <p:ext uri="{BB962C8B-B14F-4D97-AF65-F5344CB8AC3E}">
-        <p14:creationId xmlns:p14="http://schemas.microsoft.com/office/powerpoint/2010/main" val="2576847802"/>
+        <p14:creationId xmlns:p14="http://schemas.microsoft.com/office/powerpoint/2010/main" val="1567104307"/>
       </p:ext>
     </p:extLst>
   </p:cSld>
@@ -5842,10 +5857,10 @@
       </p:sp>
       <p:pic>
         <p:nvPicPr>
-          <p:cNvPr id="11" name="Picture 10" descr="Chart&#10;&#10;Description automatically generated">
-            <a:extLst>
-              <a:ext uri="{FF2B5EF4-FFF2-40B4-BE49-F238E27FC236}">
-                <a16:creationId xmlns:a16="http://schemas.microsoft.com/office/drawing/2014/main" id="{D8DF29AE-0907-437D-B85E-B6B915B1CCC2}"/>
+          <p:cNvPr id="3" name="Picture 2" descr="Chart&#10;&#10;Description automatically generated">
+            <a:extLst>
+              <a:ext uri="{FF2B5EF4-FFF2-40B4-BE49-F238E27FC236}">
+                <a16:creationId xmlns:a16="http://schemas.microsoft.com/office/drawing/2014/main" id="{7FF99A41-90DF-48D9-AA42-78FC8172BBCE}"/>
               </a:ext>
             </a:extLst>
           </p:cNvPr>
@@ -5878,10 +5893,10 @@
       </p:pic>
       <p:pic>
         <p:nvPicPr>
-          <p:cNvPr id="6" name="Picture 5" descr="Chart&#10;&#10;Description automatically generated">
-            <a:extLst>
-              <a:ext uri="{FF2B5EF4-FFF2-40B4-BE49-F238E27FC236}">
-                <a16:creationId xmlns:a16="http://schemas.microsoft.com/office/drawing/2014/main" id="{EEB0CDF0-5F9A-472A-9C58-FE53F8FE13DD}"/>
+          <p:cNvPr id="7" name="Picture 6" descr="Chart&#10;&#10;Description automatically generated">
+            <a:extLst>
+              <a:ext uri="{FF2B5EF4-FFF2-40B4-BE49-F238E27FC236}">
+                <a16:creationId xmlns:a16="http://schemas.microsoft.com/office/drawing/2014/main" id="{B4F6AD27-6934-4B39-996E-B42C3D064CA4}"/>
               </a:ext>
             </a:extLst>
           </p:cNvPr>
@@ -5914,10 +5929,10 @@
       </p:pic>
       <p:pic>
         <p:nvPicPr>
-          <p:cNvPr id="7" name="Picture 6" descr="A picture containing chart&#10;&#10;Description automatically generated">
-            <a:extLst>
-              <a:ext uri="{FF2B5EF4-FFF2-40B4-BE49-F238E27FC236}">
-                <a16:creationId xmlns:a16="http://schemas.microsoft.com/office/drawing/2014/main" id="{AB1EF9CD-01E4-4022-AA60-B9EAEDF19214}"/>
+          <p:cNvPr id="9" name="Picture 8" descr="Chart&#10;&#10;Description automatically generated">
+            <a:extLst>
+              <a:ext uri="{FF2B5EF4-FFF2-40B4-BE49-F238E27FC236}">
+                <a16:creationId xmlns:a16="http://schemas.microsoft.com/office/drawing/2014/main" id="{A45B1496-4C6C-4DEC-8D42-72DDB575F8B8}"/>
               </a:ext>
             </a:extLst>
           </p:cNvPr>
@@ -5951,7 +5966,7 @@
     </p:spTree>
     <p:extLst>
       <p:ext uri="{BB962C8B-B14F-4D97-AF65-F5344CB8AC3E}">
-        <p14:creationId xmlns:p14="http://schemas.microsoft.com/office/powerpoint/2010/main" val="1286968106"/>
+        <p14:creationId xmlns:p14="http://schemas.microsoft.com/office/powerpoint/2010/main" val="2886163851"/>
       </p:ext>
     </p:extLst>
   </p:cSld>
@@ -6016,7 +6031,7 @@
           <p:cNvPr id="3" name="Picture 2" descr="Chart, histogram&#10;&#10;Description automatically generated">
             <a:extLst>
               <a:ext uri="{FF2B5EF4-FFF2-40B4-BE49-F238E27FC236}">
-                <a16:creationId xmlns:a16="http://schemas.microsoft.com/office/drawing/2014/main" id="{D7815FB3-D780-4D35-A23C-4B55FC447615}"/>
+                <a16:creationId xmlns:a16="http://schemas.microsoft.com/office/drawing/2014/main" id="{1BAB6A67-3AA1-4E0D-BFE4-0252C54ADFAC}"/>
               </a:ext>
             </a:extLst>
           </p:cNvPr>
@@ -6052,7 +6067,7 @@
           <p:cNvPr id="7" name="Picture 6" descr="Chart&#10;&#10;Description automatically generated">
             <a:extLst>
               <a:ext uri="{FF2B5EF4-FFF2-40B4-BE49-F238E27FC236}">
-                <a16:creationId xmlns:a16="http://schemas.microsoft.com/office/drawing/2014/main" id="{0E49F656-E4B4-4959-99DA-4D508EF7FC1B}"/>
+                <a16:creationId xmlns:a16="http://schemas.microsoft.com/office/drawing/2014/main" id="{2449371E-D7B4-436A-9400-694E079E86D5}"/>
               </a:ext>
             </a:extLst>
           </p:cNvPr>
@@ -6085,10 +6100,10 @@
       </p:pic>
       <p:pic>
         <p:nvPicPr>
-          <p:cNvPr id="9" name="Picture 8" descr="A picture containing chart&#10;&#10;Description automatically generated">
-            <a:extLst>
-              <a:ext uri="{FF2B5EF4-FFF2-40B4-BE49-F238E27FC236}">
-                <a16:creationId xmlns:a16="http://schemas.microsoft.com/office/drawing/2014/main" id="{515A8774-5D01-4D9C-B652-88D78DCA8354}"/>
+          <p:cNvPr id="9" name="Picture 8" descr="Chart&#10;&#10;Description automatically generated">
+            <a:extLst>
+              <a:ext uri="{FF2B5EF4-FFF2-40B4-BE49-F238E27FC236}">
+                <a16:creationId xmlns:a16="http://schemas.microsoft.com/office/drawing/2014/main" id="{F77F5314-6D24-45AD-AE04-682FC01869DD}"/>
               </a:ext>
             </a:extLst>
           </p:cNvPr>
@@ -6122,7 +6137,7 @@
     </p:spTree>
     <p:extLst>
       <p:ext uri="{BB962C8B-B14F-4D97-AF65-F5344CB8AC3E}">
-        <p14:creationId xmlns:p14="http://schemas.microsoft.com/office/powerpoint/2010/main" val="3067977501"/>
+        <p14:creationId xmlns:p14="http://schemas.microsoft.com/office/powerpoint/2010/main" val="4119763685"/>
       </p:ext>
     </p:extLst>
   </p:cSld>
@@ -6358,7 +6373,7 @@
           <p:cNvPr id="3" name="Picture 2" descr="Chart, histogram&#10;&#10;Description automatically generated">
             <a:extLst>
               <a:ext uri="{FF2B5EF4-FFF2-40B4-BE49-F238E27FC236}">
-                <a16:creationId xmlns:a16="http://schemas.microsoft.com/office/drawing/2014/main" id="{1BAB6A67-3AA1-4E0D-BFE4-0252C54ADFAC}"/>
+                <a16:creationId xmlns:a16="http://schemas.microsoft.com/office/drawing/2014/main" id="{D7815FB3-D780-4D35-A23C-4B55FC447615}"/>
               </a:ext>
             </a:extLst>
           </p:cNvPr>
@@ -6394,7 +6409,7 @@
           <p:cNvPr id="7" name="Picture 6" descr="Chart&#10;&#10;Description automatically generated">
             <a:extLst>
               <a:ext uri="{FF2B5EF4-FFF2-40B4-BE49-F238E27FC236}">
-                <a16:creationId xmlns:a16="http://schemas.microsoft.com/office/drawing/2014/main" id="{2449371E-D7B4-436A-9400-694E079E86D5}"/>
+                <a16:creationId xmlns:a16="http://schemas.microsoft.com/office/drawing/2014/main" id="{0E49F656-E4B4-4959-99DA-4D508EF7FC1B}"/>
               </a:ext>
             </a:extLst>
           </p:cNvPr>
@@ -6427,10 +6442,10 @@
       </p:pic>
       <p:pic>
         <p:nvPicPr>
-          <p:cNvPr id="9" name="Picture 8" descr="Chart&#10;&#10;Description automatically generated">
-            <a:extLst>
-              <a:ext uri="{FF2B5EF4-FFF2-40B4-BE49-F238E27FC236}">
-                <a16:creationId xmlns:a16="http://schemas.microsoft.com/office/drawing/2014/main" id="{F77F5314-6D24-45AD-AE04-682FC01869DD}"/>
+          <p:cNvPr id="9" name="Picture 8" descr="A picture containing chart&#10;&#10;Description automatically generated">
+            <a:extLst>
+              <a:ext uri="{FF2B5EF4-FFF2-40B4-BE49-F238E27FC236}">
+                <a16:creationId xmlns:a16="http://schemas.microsoft.com/office/drawing/2014/main" id="{515A8774-5D01-4D9C-B652-88D78DCA8354}"/>
               </a:ext>
             </a:extLst>
           </p:cNvPr>
@@ -6464,7 +6479,7 @@
     </p:spTree>
     <p:extLst>
       <p:ext uri="{BB962C8B-B14F-4D97-AF65-F5344CB8AC3E}">
-        <p14:creationId xmlns:p14="http://schemas.microsoft.com/office/powerpoint/2010/main" val="4119763685"/>
+        <p14:creationId xmlns:p14="http://schemas.microsoft.com/office/powerpoint/2010/main" val="3067977501"/>
       </p:ext>
     </p:extLst>
   </p:cSld>
@@ -6770,6 +6785,21 @@
 </file>
 
 <file path=customXml/item1.xml><?xml version="1.0" encoding="utf-8"?>
+<p:properties xmlns:p="http://schemas.microsoft.com/office/2006/metadata/properties" xmlns:xsi="http://www.w3.org/2001/XMLSchema-instance" xmlns:pc="http://schemas.microsoft.com/office/infopath/2007/PartnerControls">
+  <documentManagement/>
+</p:properties>
+</file>
+
+<file path=customXml/item2.xml><?xml version="1.0" encoding="utf-8"?>
+<?mso-contentType ?>
+<FormTemplates xmlns="http://schemas.microsoft.com/sharepoint/v3/contenttype/forms">
+  <Display>DocumentLibraryForm</Display>
+  <Edit>DocumentLibraryForm</Edit>
+  <New>DocumentLibraryForm</New>
+</FormTemplates>
+</file>
+
+<file path=customXml/item3.xml><?xml version="1.0" encoding="utf-8"?>
 <ct:contentTypeSchema xmlns:ct="http://schemas.microsoft.com/office/2006/metadata/contentType" xmlns:ma="http://schemas.microsoft.com/office/2006/metadata/properties/metaAttributes" ct:_="" ma:_="" ma:contentTypeName="Document" ma:contentTypeID="0x010100678B61A444D69E4A9A20602E1C092D53" ma:contentTypeVersion="7" ma:contentTypeDescription="Create a new document." ma:contentTypeScope="" ma:versionID="eab6674a319847deff9426538165fa0e">
   <xsd:schema xmlns:xsd="http://www.w3.org/2001/XMLSchema" xmlns:xs="http://www.w3.org/2001/XMLSchema" xmlns:p="http://schemas.microsoft.com/office/2006/metadata/properties" xmlns:ns3="d738a0d9-f7f3-41d7-8641-8195baf251ff" xmlns:ns4="cabf7a65-a4fd-4bbc-b3a0-147a688f3e5e" targetNamespace="http://schemas.microsoft.com/office/2006/metadata/properties" ma:root="true" ma:fieldsID="9cc7a6b499c853e180508048ccee0eaf" ns3:_="" ns4:_="">
     <xsd:import namespace="d738a0d9-f7f3-41d7-8641-8195baf251ff"/>
@@ -6954,22 +6984,32 @@
 </ct:contentTypeSchema>
 </file>
 
-<file path=customXml/item2.xml><?xml version="1.0" encoding="utf-8"?>
-<?mso-contentType ?>
-<FormTemplates xmlns="http://schemas.microsoft.com/sharepoint/v3/contenttype/forms">
-  <Display>DocumentLibraryForm</Display>
-  <Edit>DocumentLibraryForm</Edit>
-  <New>DocumentLibraryForm</New>
-</FormTemplates>
+<file path=customXml/itemProps1.xml><?xml version="1.0" encoding="utf-8"?>
+<ds:datastoreItem xmlns:ds="http://schemas.openxmlformats.org/officeDocument/2006/customXml" ds:itemID="{3BC87E5C-778C-40D0-A6D3-3DE83C6BA816}">
+  <ds:schemaRefs>
+    <ds:schemaRef ds:uri="http://schemas.microsoft.com/office/infopath/2007/PartnerControls"/>
+    <ds:schemaRef ds:uri="http://www.w3.org/XML/1998/namespace"/>
+    <ds:schemaRef ds:uri="http://schemas.microsoft.com/office/2006/documentManagement/types"/>
+    <ds:schemaRef ds:uri="http://purl.org/dc/terms/"/>
+    <ds:schemaRef ds:uri="http://purl.org/dc/elements/1.1/"/>
+    <ds:schemaRef ds:uri="http://purl.org/dc/dcmitype/"/>
+    <ds:schemaRef ds:uri="http://schemas.openxmlformats.org/package/2006/metadata/core-properties"/>
+    <ds:schemaRef ds:uri="cabf7a65-a4fd-4bbc-b3a0-147a688f3e5e"/>
+    <ds:schemaRef ds:uri="d738a0d9-f7f3-41d7-8641-8195baf251ff"/>
+    <ds:schemaRef ds:uri="http://schemas.microsoft.com/office/2006/metadata/properties"/>
+  </ds:schemaRefs>
+</ds:datastoreItem>
 </file>
 
-<file path=customXml/item3.xml><?xml version="1.0" encoding="utf-8"?>
-<p:properties xmlns:p="http://schemas.microsoft.com/office/2006/metadata/properties" xmlns:xsi="http://www.w3.org/2001/XMLSchema-instance" xmlns:pc="http://schemas.microsoft.com/office/infopath/2007/PartnerControls">
-  <documentManagement/>
-</p:properties>
+<file path=customXml/itemProps2.xml><?xml version="1.0" encoding="utf-8"?>
+<ds:datastoreItem xmlns:ds="http://schemas.openxmlformats.org/officeDocument/2006/customXml" ds:itemID="{EA5B086E-9652-4EFC-BF73-D5D101373FF4}">
+  <ds:schemaRefs>
+    <ds:schemaRef ds:uri="http://schemas.microsoft.com/sharepoint/v3/contenttype/forms"/>
+  </ds:schemaRefs>
+</ds:datastoreItem>
 </file>
 
-<file path=customXml/itemProps1.xml><?xml version="1.0" encoding="utf-8"?>
+<file path=customXml/itemProps3.xml><?xml version="1.0" encoding="utf-8"?>
 <ds:datastoreItem xmlns:ds="http://schemas.openxmlformats.org/officeDocument/2006/customXml" ds:itemID="{A57B7865-281F-4933-92ED-4036A19D2359}">
   <ds:schemaRefs>
     <ds:schemaRef ds:uri="http://schemas.microsoft.com/office/2006/metadata/contentType"/>
@@ -6986,29 +7026,4 @@
     <ds:schemaRef ds:uri="http://schemas.microsoft.com/internal/obd"/>
   </ds:schemaRefs>
 </ds:datastoreItem>
-</file>
-
-<file path=customXml/itemProps2.xml><?xml version="1.0" encoding="utf-8"?>
-<ds:datastoreItem xmlns:ds="http://schemas.openxmlformats.org/officeDocument/2006/customXml" ds:itemID="{EA5B086E-9652-4EFC-BF73-D5D101373FF4}">
-  <ds:schemaRefs>
-    <ds:schemaRef ds:uri="http://schemas.microsoft.com/sharepoint/v3/contenttype/forms"/>
-  </ds:schemaRefs>
-</ds:datastoreItem>
-</file>
-
-<file path=customXml/itemProps3.xml><?xml version="1.0" encoding="utf-8"?>
-<ds:datastoreItem xmlns:ds="http://schemas.openxmlformats.org/officeDocument/2006/customXml" ds:itemID="{3BC87E5C-778C-40D0-A6D3-3DE83C6BA816}">
-  <ds:schemaRefs>
-    <ds:schemaRef ds:uri="http://schemas.microsoft.com/office/infopath/2007/PartnerControls"/>
-    <ds:schemaRef ds:uri="http://www.w3.org/XML/1998/namespace"/>
-    <ds:schemaRef ds:uri="http://schemas.microsoft.com/office/2006/documentManagement/types"/>
-    <ds:schemaRef ds:uri="http://purl.org/dc/terms/"/>
-    <ds:schemaRef ds:uri="http://purl.org/dc/elements/1.1/"/>
-    <ds:schemaRef ds:uri="http://purl.org/dc/dcmitype/"/>
-    <ds:schemaRef ds:uri="http://schemas.openxmlformats.org/package/2006/metadata/core-properties"/>
-    <ds:schemaRef ds:uri="cabf7a65-a4fd-4bbc-b3a0-147a688f3e5e"/>
-    <ds:schemaRef ds:uri="d738a0d9-f7f3-41d7-8641-8195baf251ff"/>
-    <ds:schemaRef ds:uri="http://schemas.microsoft.com/office/2006/metadata/properties"/>
-  </ds:schemaRefs>
-</ds:datastoreItem>
 </file>